--- a/Editor 0.1.pptx
+++ b/Editor 0.1.pptx
@@ -3177,11 +3177,7 @@
             </a:r>
             <a:r>
               <a:rPr lang="ru-RU" dirty="0" smtClean="0"/>
-              <a:t>я выбрал небольшой текстовый редактор для создания простых текстовых файлов и работы </a:t>
-            </a:r>
-            <a:r>
-              <a:rPr lang="ru-RU" dirty="0" smtClean="0"/>
-              <a:t>с ними</a:t>
+              <a:t>я выбрал небольшой текстовый редактор для создания простых текстовых файлов и работы с ними</a:t>
             </a:r>
             <a:endParaRPr lang="ru-RU" dirty="0"/>
           </a:p>
@@ -3425,7 +3421,19 @@
           <a:p>
             <a:r>
               <a:rPr lang="ru-RU" sz="2800" dirty="0" smtClean="0"/>
-              <a:t>Количество строк 212 </a:t>
+              <a:t>Количество строк </a:t>
+            </a:r>
+            <a:r>
+              <a:rPr lang="ru-RU" sz="2800" dirty="0" smtClean="0"/>
+              <a:t>21</a:t>
+            </a:r>
+            <a:r>
+              <a:rPr lang="en-US" sz="2800" smtClean="0"/>
+              <a:t>5</a:t>
+            </a:r>
+            <a:r>
+              <a:rPr lang="ru-RU" sz="2800" smtClean="0"/>
+              <a:t> </a:t>
             </a:r>
             <a:endParaRPr lang="ru-RU" sz="2800" dirty="0"/>
           </a:p>
